--- a/GDD 1101-001 Demo 3.pptx
+++ b/GDD 1101-001 Demo 3.pptx
@@ -128,18 +128,18 @@
   <pc:docChgLst>
     <pc:chgData name="Camilla Lucero" userId="f439bb5a6a9b328f" providerId="LiveId" clId="{8EF28FE2-BE11-4A4D-BC83-93DA7904FFC4}"/>
     <pc:docChg chg="undo custSel modSld">
-      <pc:chgData name="Camilla Lucero" userId="f439bb5a6a9b328f" providerId="LiveId" clId="{8EF28FE2-BE11-4A4D-BC83-93DA7904FFC4}" dt="2022-11-02T02:13:44.402" v="558" actId="20577"/>
+      <pc:chgData name="Camilla Lucero" userId="f439bb5a6a9b328f" providerId="LiveId" clId="{8EF28FE2-BE11-4A4D-BC83-93DA7904FFC4}" dt="2022-11-07T17:55:54.605" v="677" actId="20577"/>
       <pc:docMkLst>
         <pc:docMk/>
       </pc:docMkLst>
       <pc:sldChg chg="delSp modSp mod delAnim">
-        <pc:chgData name="Camilla Lucero" userId="f439bb5a6a9b328f" providerId="LiveId" clId="{8EF28FE2-BE11-4A4D-BC83-93DA7904FFC4}" dt="2022-11-02T01:18:56.814" v="143" actId="20577"/>
+        <pc:chgData name="Camilla Lucero" userId="f439bb5a6a9b328f" providerId="LiveId" clId="{8EF28FE2-BE11-4A4D-BC83-93DA7904FFC4}" dt="2022-11-07T17:55:54.605" v="677" actId="20577"/>
         <pc:sldMkLst>
           <pc:docMk/>
           <pc:sldMk cId="3686354931" sldId="257"/>
         </pc:sldMkLst>
         <pc:spChg chg="mod">
-          <ac:chgData name="Camilla Lucero" userId="f439bb5a6a9b328f" providerId="LiveId" clId="{8EF28FE2-BE11-4A4D-BC83-93DA7904FFC4}" dt="2022-11-02T01:18:56.814" v="143" actId="20577"/>
+          <ac:chgData name="Camilla Lucero" userId="f439bb5a6a9b328f" providerId="LiveId" clId="{8EF28FE2-BE11-4A4D-BC83-93DA7904FFC4}" dt="2022-11-07T17:55:54.605" v="677" actId="20577"/>
           <ac:spMkLst>
             <pc:docMk/>
             <pc:sldMk cId="3686354931" sldId="257"/>
@@ -359,7 +359,7 @@
           <a:p>
             <a:fld id="{1F7CEB81-7C9F-4C3F-BDEE-7044CE692A8A}" type="datetimeFigureOut">
               <a:rPr lang="en-US" smtClean="0"/>
-              <a:t>11/1/2022</a:t>
+              <a:t>11/7/2022</a:t>
             </a:fld>
             <a:endParaRPr lang="en-US"/>
           </a:p>
@@ -587,7 +587,7 @@
           <a:p>
             <a:fld id="{1F7CEB81-7C9F-4C3F-BDEE-7044CE692A8A}" type="datetimeFigureOut">
               <a:rPr lang="en-US" smtClean="0"/>
-              <a:t>11/1/2022</a:t>
+              <a:t>11/7/2022</a:t>
             </a:fld>
             <a:endParaRPr lang="en-US"/>
           </a:p>
@@ -767,7 +767,7 @@
           <a:p>
             <a:fld id="{1F7CEB81-7C9F-4C3F-BDEE-7044CE692A8A}" type="datetimeFigureOut">
               <a:rPr lang="en-US" smtClean="0"/>
-              <a:t>11/1/2022</a:t>
+              <a:t>11/7/2022</a:t>
             </a:fld>
             <a:endParaRPr lang="en-US"/>
           </a:p>
@@ -937,7 +937,7 @@
           <a:p>
             <a:fld id="{1F7CEB81-7C9F-4C3F-BDEE-7044CE692A8A}" type="datetimeFigureOut">
               <a:rPr lang="en-US" smtClean="0"/>
-              <a:t>11/1/2022</a:t>
+              <a:t>11/7/2022</a:t>
             </a:fld>
             <a:endParaRPr lang="en-US"/>
           </a:p>
@@ -1191,7 +1191,7 @@
           <a:p>
             <a:fld id="{1F7CEB81-7C9F-4C3F-BDEE-7044CE692A8A}" type="datetimeFigureOut">
               <a:rPr lang="en-US" smtClean="0"/>
-              <a:t>11/1/2022</a:t>
+              <a:t>11/7/2022</a:t>
             </a:fld>
             <a:endParaRPr lang="en-US"/>
           </a:p>
@@ -1517,7 +1517,7 @@
           <a:p>
             <a:fld id="{1F7CEB81-7C9F-4C3F-BDEE-7044CE692A8A}" type="datetimeFigureOut">
               <a:rPr lang="en-US" smtClean="0"/>
-              <a:t>11/1/2022</a:t>
+              <a:t>11/7/2022</a:t>
             </a:fld>
             <a:endParaRPr lang="en-US"/>
           </a:p>
@@ -1968,7 +1968,7 @@
           <a:p>
             <a:fld id="{1F7CEB81-7C9F-4C3F-BDEE-7044CE692A8A}" type="datetimeFigureOut">
               <a:rPr lang="en-US" smtClean="0"/>
-              <a:t>11/1/2022</a:t>
+              <a:t>11/7/2022</a:t>
             </a:fld>
             <a:endParaRPr lang="en-US"/>
           </a:p>
@@ -2086,7 +2086,7 @@
           <a:p>
             <a:fld id="{1F7CEB81-7C9F-4C3F-BDEE-7044CE692A8A}" type="datetimeFigureOut">
               <a:rPr lang="en-US" smtClean="0"/>
-              <a:t>11/1/2022</a:t>
+              <a:t>11/7/2022</a:t>
             </a:fld>
             <a:endParaRPr lang="en-US"/>
           </a:p>
@@ -2181,7 +2181,7 @@
           <a:p>
             <a:fld id="{1F7CEB81-7C9F-4C3F-BDEE-7044CE692A8A}" type="datetimeFigureOut">
               <a:rPr lang="en-US" smtClean="0"/>
-              <a:t>11/1/2022</a:t>
+              <a:t>11/7/2022</a:t>
             </a:fld>
             <a:endParaRPr lang="en-US"/>
           </a:p>
@@ -2468,7 +2468,7 @@
           <a:p>
             <a:fld id="{1F7CEB81-7C9F-4C3F-BDEE-7044CE692A8A}" type="datetimeFigureOut">
               <a:rPr lang="en-US" smtClean="0"/>
-              <a:t>11/1/2022</a:t>
+              <a:t>11/7/2022</a:t>
             </a:fld>
             <a:endParaRPr lang="en-US"/>
           </a:p>
@@ -2790,7 +2790,7 @@
           <a:p>
             <a:fld id="{1F7CEB81-7C9F-4C3F-BDEE-7044CE692A8A}" type="datetimeFigureOut">
               <a:rPr lang="en-US" smtClean="0"/>
-              <a:t>11/1/2022</a:t>
+              <a:t>11/7/2022</a:t>
             </a:fld>
             <a:endParaRPr lang="en-US"/>
           </a:p>
@@ -3044,7 +3044,7 @@
           <a:p>
             <a:fld id="{1F7CEB81-7C9F-4C3F-BDEE-7044CE692A8A}" type="datetimeFigureOut">
               <a:rPr lang="en-US" smtClean="0"/>
-              <a:t>11/1/2022</a:t>
+              <a:t>11/7/2022</a:t>
             </a:fld>
             <a:endParaRPr lang="en-US"/>
           </a:p>
@@ -3683,59 +3683,39 @@
         </p:spPr>
         <p:txBody>
           <a:bodyPr>
-            <a:normAutofit lnSpcReduction="10000"/>
+            <a:normAutofit/>
           </a:bodyPr>
           <a:lstStyle/>
           <a:p>
             <a:r>
               <a:rPr lang="en-US" dirty="0"/>
-              <a:t>Background – Started, but Relies on Level Design</a:t>
+              <a:t>Background – </a:t>
             </a:r>
           </a:p>
           <a:p>
             <a:r>
               <a:rPr lang="en-US" dirty="0"/>
-              <a:t>HUD – Health Bar, Weapon Inventory (?), Something to keep track of our powerups – Not Started</a:t>
+              <a:t>HUD – Still discussing</a:t>
             </a:r>
           </a:p>
           <a:p>
             <a:r>
               <a:rPr lang="en-US" dirty="0"/>
-              <a:t>Troubleshoot our Ghost Enemy – They’re not doing so well... – Not Done</a:t>
+              <a:t>Troubleshoot our Ghost Enemy– Not Done</a:t>
             </a:r>
           </a:p>
           <a:p>
             <a:r>
               <a:rPr lang="en-US" dirty="0"/>
-              <a:t>Sort out our Level Design – Still Discussing</a:t>
-            </a:r>
-          </a:p>
-          <a:p>
-            <a:pPr lvl="1"/>
-            <a:r>
-              <a:rPr lang="en-US" dirty="0"/>
-              <a:t>Figure out level dimensions</a:t>
-            </a:r>
-          </a:p>
-          <a:p>
-            <a:pPr lvl="1"/>
-            <a:r>
-              <a:rPr lang="en-US" dirty="0"/>
-              <a:t>Parkour Additions</a:t>
-            </a:r>
-          </a:p>
-          <a:p>
-            <a:pPr lvl="1"/>
-            <a:r>
-              <a:rPr lang="en-US" dirty="0"/>
-              <a:t>Make things a level instead of an enemy test!</a:t>
-            </a:r>
-          </a:p>
-          <a:p>
-            <a:r>
-              <a:rPr lang="en-US" dirty="0"/>
-              <a:t>Begin working on Weapons, Bullets, etc. - Discussing</a:t>
-            </a:r>
+              <a:t>Begin working on Weapons, Bullets, etc. – Sprites Done! Stats still to come</a:t>
+            </a:r>
+          </a:p>
+          <a:p>
+            <a:r>
+              <a:rPr lang="en-US"/>
+              <a:t>Tilesets</a:t>
+            </a:r>
+            <a:endParaRPr lang="en-US" dirty="0"/>
           </a:p>
           <a:p>
             <a:r>

--- a/GDD 1101-001 Demo 3.pptx
+++ b/GDD 1101-001 Demo 3.pptx
@@ -118,7 +118,7 @@
 <file path=ppt/revisionInfo.xml><?xml version="1.0" encoding="utf-8"?>
 <p1510:revInfo xmlns:a="http://schemas.openxmlformats.org/drawingml/2006/main" xmlns:r="http://schemas.openxmlformats.org/officeDocument/2006/relationships" xmlns:p1510="http://schemas.microsoft.com/office/powerpoint/2015/10/main">
   <p1510:revLst>
-    <p1510:client id="{8EF28FE2-BE11-4A4D-BC83-93DA7904FFC4}" v="1" dt="2022-11-02T02:11:21.468"/>
+    <p1510:client id="{8EF28FE2-BE11-4A4D-BC83-93DA7904FFC4}" v="4" dt="2022-11-09T02:41:28.559"/>
   </p1510:revLst>
 </p1510:revInfo>
 </file>
@@ -128,18 +128,18 @@
   <pc:docChgLst>
     <pc:chgData name="Camilla Lucero" userId="f439bb5a6a9b328f" providerId="LiveId" clId="{8EF28FE2-BE11-4A4D-BC83-93DA7904FFC4}"/>
     <pc:docChg chg="undo custSel modSld">
-      <pc:chgData name="Camilla Lucero" userId="f439bb5a6a9b328f" providerId="LiveId" clId="{8EF28FE2-BE11-4A4D-BC83-93DA7904FFC4}" dt="2022-11-07T17:55:54.605" v="677" actId="20577"/>
+      <pc:chgData name="Camilla Lucero" userId="f439bb5a6a9b328f" providerId="LiveId" clId="{8EF28FE2-BE11-4A4D-BC83-93DA7904FFC4}" dt="2022-11-09T02:43:27.357" v="805" actId="1076"/>
       <pc:docMkLst>
         <pc:docMk/>
       </pc:docMkLst>
       <pc:sldChg chg="delSp modSp mod delAnim">
-        <pc:chgData name="Camilla Lucero" userId="f439bb5a6a9b328f" providerId="LiveId" clId="{8EF28FE2-BE11-4A4D-BC83-93DA7904FFC4}" dt="2022-11-07T17:55:54.605" v="677" actId="20577"/>
+        <pc:chgData name="Camilla Lucero" userId="f439bb5a6a9b328f" providerId="LiveId" clId="{8EF28FE2-BE11-4A4D-BC83-93DA7904FFC4}" dt="2022-11-09T02:08:13.607" v="790" actId="20577"/>
         <pc:sldMkLst>
           <pc:docMk/>
           <pc:sldMk cId="3686354931" sldId="257"/>
         </pc:sldMkLst>
         <pc:spChg chg="mod">
-          <ac:chgData name="Camilla Lucero" userId="f439bb5a6a9b328f" providerId="LiveId" clId="{8EF28FE2-BE11-4A4D-BC83-93DA7904FFC4}" dt="2022-11-07T17:55:54.605" v="677" actId="20577"/>
+          <ac:chgData name="Camilla Lucero" userId="f439bb5a6a9b328f" providerId="LiveId" clId="{8EF28FE2-BE11-4A4D-BC83-93DA7904FFC4}" dt="2022-11-09T02:08:13.607" v="790" actId="20577"/>
           <ac:spMkLst>
             <pc:docMk/>
             <pc:sldMk cId="3686354931" sldId="257"/>
@@ -152,6 +152,61 @@
             <pc:docMk/>
             <pc:sldMk cId="3686354931" sldId="257"/>
             <ac:picMk id="4" creationId="{26A73662-B9AB-0772-2F7A-D0147219B9F0}"/>
+          </ac:picMkLst>
+        </pc:picChg>
+      </pc:sldChg>
+      <pc:sldChg chg="addSp modSp mod">
+        <pc:chgData name="Camilla Lucero" userId="f439bb5a6a9b328f" providerId="LiveId" clId="{8EF28FE2-BE11-4A4D-BC83-93DA7904FFC4}" dt="2022-11-09T02:43:27.357" v="805" actId="1076"/>
+        <pc:sldMkLst>
+          <pc:docMk/>
+          <pc:sldMk cId="1034468381" sldId="258"/>
+        </pc:sldMkLst>
+        <pc:picChg chg="add mod">
+          <ac:chgData name="Camilla Lucero" userId="f439bb5a6a9b328f" providerId="LiveId" clId="{8EF28FE2-BE11-4A4D-BC83-93DA7904FFC4}" dt="2022-11-09T02:07:19.614" v="741" actId="1076"/>
+          <ac:picMkLst>
+            <pc:docMk/>
+            <pc:sldMk cId="1034468381" sldId="258"/>
+            <ac:picMk id="5" creationId="{21BCCC8E-EA40-2C2E-49D7-7F41A8C28A24}"/>
+          </ac:picMkLst>
+        </pc:picChg>
+        <pc:picChg chg="add mod">
+          <ac:chgData name="Camilla Lucero" userId="f439bb5a6a9b328f" providerId="LiveId" clId="{8EF28FE2-BE11-4A4D-BC83-93DA7904FFC4}" dt="2022-11-09T02:41:04.134" v="793" actId="1076"/>
+          <ac:picMkLst>
+            <pc:docMk/>
+            <pc:sldMk cId="1034468381" sldId="258"/>
+            <ac:picMk id="8" creationId="{73F9FA6C-43D6-6A97-486A-33797F3320A0}"/>
+          </ac:picMkLst>
+        </pc:picChg>
+        <pc:picChg chg="add mod">
+          <ac:chgData name="Camilla Lucero" userId="f439bb5a6a9b328f" providerId="LiveId" clId="{8EF28FE2-BE11-4A4D-BC83-93DA7904FFC4}" dt="2022-11-09T02:43:27.357" v="805" actId="1076"/>
+          <ac:picMkLst>
+            <pc:docMk/>
+            <pc:sldMk cId="1034468381" sldId="258"/>
+            <ac:picMk id="11" creationId="{4988F28D-6BCB-54AB-8498-EEF705AEC59E}"/>
+          </ac:picMkLst>
+        </pc:picChg>
+        <pc:picChg chg="add mod">
+          <ac:chgData name="Camilla Lucero" userId="f439bb5a6a9b328f" providerId="LiveId" clId="{8EF28FE2-BE11-4A4D-BC83-93DA7904FFC4}" dt="2022-11-09T02:43:19.560" v="802" actId="1076"/>
+          <ac:picMkLst>
+            <pc:docMk/>
+            <pc:sldMk cId="1034468381" sldId="258"/>
+            <ac:picMk id="13" creationId="{B171F871-A910-6A0C-283A-787F155362F4}"/>
+          </ac:picMkLst>
+        </pc:picChg>
+        <pc:picChg chg="add mod">
+          <ac:chgData name="Camilla Lucero" userId="f439bb5a6a9b328f" providerId="LiveId" clId="{8EF28FE2-BE11-4A4D-BC83-93DA7904FFC4}" dt="2022-11-09T02:43:11.187" v="799" actId="1076"/>
+          <ac:picMkLst>
+            <pc:docMk/>
+            <pc:sldMk cId="1034468381" sldId="258"/>
+            <ac:picMk id="15" creationId="{A337E62C-2267-C920-F365-C3FC596622D7}"/>
+          </ac:picMkLst>
+        </pc:picChg>
+        <pc:picChg chg="add mod">
+          <ac:chgData name="Camilla Lucero" userId="f439bb5a6a9b328f" providerId="LiveId" clId="{8EF28FE2-BE11-4A4D-BC83-93DA7904FFC4}" dt="2022-11-09T02:41:34.357" v="796" actId="1076"/>
+          <ac:picMkLst>
+            <pc:docMk/>
+            <pc:sldMk cId="1034468381" sldId="258"/>
+            <ac:picMk id="17" creationId="{3B44FED7-A92C-2E16-4570-842B766D78A2}"/>
           </ac:picMkLst>
         </pc:picChg>
       </pc:sldChg>
@@ -359,7 +414,7 @@
           <a:p>
             <a:fld id="{1F7CEB81-7C9F-4C3F-BDEE-7044CE692A8A}" type="datetimeFigureOut">
               <a:rPr lang="en-US" smtClean="0"/>
-              <a:t>11/7/2022</a:t>
+              <a:t>11/8/2022</a:t>
             </a:fld>
             <a:endParaRPr lang="en-US"/>
           </a:p>
@@ -587,7 +642,7 @@
           <a:p>
             <a:fld id="{1F7CEB81-7C9F-4C3F-BDEE-7044CE692A8A}" type="datetimeFigureOut">
               <a:rPr lang="en-US" smtClean="0"/>
-              <a:t>11/7/2022</a:t>
+              <a:t>11/8/2022</a:t>
             </a:fld>
             <a:endParaRPr lang="en-US"/>
           </a:p>
@@ -767,7 +822,7 @@
           <a:p>
             <a:fld id="{1F7CEB81-7C9F-4C3F-BDEE-7044CE692A8A}" type="datetimeFigureOut">
               <a:rPr lang="en-US" smtClean="0"/>
-              <a:t>11/7/2022</a:t>
+              <a:t>11/8/2022</a:t>
             </a:fld>
             <a:endParaRPr lang="en-US"/>
           </a:p>
@@ -937,7 +992,7 @@
           <a:p>
             <a:fld id="{1F7CEB81-7C9F-4C3F-BDEE-7044CE692A8A}" type="datetimeFigureOut">
               <a:rPr lang="en-US" smtClean="0"/>
-              <a:t>11/7/2022</a:t>
+              <a:t>11/8/2022</a:t>
             </a:fld>
             <a:endParaRPr lang="en-US"/>
           </a:p>
@@ -1191,7 +1246,7 @@
           <a:p>
             <a:fld id="{1F7CEB81-7C9F-4C3F-BDEE-7044CE692A8A}" type="datetimeFigureOut">
               <a:rPr lang="en-US" smtClean="0"/>
-              <a:t>11/7/2022</a:t>
+              <a:t>11/8/2022</a:t>
             </a:fld>
             <a:endParaRPr lang="en-US"/>
           </a:p>
@@ -1517,7 +1572,7 @@
           <a:p>
             <a:fld id="{1F7CEB81-7C9F-4C3F-BDEE-7044CE692A8A}" type="datetimeFigureOut">
               <a:rPr lang="en-US" smtClean="0"/>
-              <a:t>11/7/2022</a:t>
+              <a:t>11/8/2022</a:t>
             </a:fld>
             <a:endParaRPr lang="en-US"/>
           </a:p>
@@ -1968,7 +2023,7 @@
           <a:p>
             <a:fld id="{1F7CEB81-7C9F-4C3F-BDEE-7044CE692A8A}" type="datetimeFigureOut">
               <a:rPr lang="en-US" smtClean="0"/>
-              <a:t>11/7/2022</a:t>
+              <a:t>11/8/2022</a:t>
             </a:fld>
             <a:endParaRPr lang="en-US"/>
           </a:p>
@@ -2086,7 +2141,7 @@
           <a:p>
             <a:fld id="{1F7CEB81-7C9F-4C3F-BDEE-7044CE692A8A}" type="datetimeFigureOut">
               <a:rPr lang="en-US" smtClean="0"/>
-              <a:t>11/7/2022</a:t>
+              <a:t>11/8/2022</a:t>
             </a:fld>
             <a:endParaRPr lang="en-US"/>
           </a:p>
@@ -2181,7 +2236,7 @@
           <a:p>
             <a:fld id="{1F7CEB81-7C9F-4C3F-BDEE-7044CE692A8A}" type="datetimeFigureOut">
               <a:rPr lang="en-US" smtClean="0"/>
-              <a:t>11/7/2022</a:t>
+              <a:t>11/8/2022</a:t>
             </a:fld>
             <a:endParaRPr lang="en-US"/>
           </a:p>
@@ -2468,7 +2523,7 @@
           <a:p>
             <a:fld id="{1F7CEB81-7C9F-4C3F-BDEE-7044CE692A8A}" type="datetimeFigureOut">
               <a:rPr lang="en-US" smtClean="0"/>
-              <a:t>11/7/2022</a:t>
+              <a:t>11/8/2022</a:t>
             </a:fld>
             <a:endParaRPr lang="en-US"/>
           </a:p>
@@ -2790,7 +2845,7 @@
           <a:p>
             <a:fld id="{1F7CEB81-7C9F-4C3F-BDEE-7044CE692A8A}" type="datetimeFigureOut">
               <a:rPr lang="en-US" smtClean="0"/>
-              <a:t>11/7/2022</a:t>
+              <a:t>11/8/2022</a:t>
             </a:fld>
             <a:endParaRPr lang="en-US"/>
           </a:p>
@@ -3044,7 +3099,7 @@
           <a:p>
             <a:fld id="{1F7CEB81-7C9F-4C3F-BDEE-7044CE692A8A}" type="datetimeFigureOut">
               <a:rPr lang="en-US" smtClean="0"/>
-              <a:t>11/7/2022</a:t>
+              <a:t>11/8/2022</a:t>
             </a:fld>
             <a:endParaRPr lang="en-US"/>
           </a:p>
@@ -3689,7 +3744,7 @@
           <a:p>
             <a:r>
               <a:rPr lang="en-US" dirty="0"/>
-              <a:t>Background – </a:t>
+              <a:t>Background – Started</a:t>
             </a:r>
           </a:p>
           <a:p>
@@ -3712,15 +3767,18 @@
           </a:p>
           <a:p>
             <a:r>
-              <a:rPr lang="en-US"/>
+              <a:rPr lang="en-US" dirty="0" err="1"/>
               <a:t>Tilesets</a:t>
             </a:r>
-            <a:endParaRPr lang="en-US" dirty="0"/>
-          </a:p>
-          <a:p>
             <a:r>
               <a:rPr lang="en-US" dirty="0"/>
-              <a:t>SFX - Done</a:t>
+              <a:t> – Still Need To Do Some Research!</a:t>
+            </a:r>
+          </a:p>
+          <a:p>
+            <a:r>
+              <a:rPr lang="en-US" dirty="0"/>
+              <a:t>SFX – Done</a:t>
             </a:r>
           </a:p>
           <a:p>
@@ -3732,7 +3790,13 @@
           <a:p>
             <a:r>
               <a:rPr lang="en-US" dirty="0"/>
-              <a:t>Potentially figuring out weapon drop percentages</a:t>
+              <a:t>Powerups</a:t>
+            </a:r>
+          </a:p>
+          <a:p>
+            <a:r>
+              <a:rPr lang="en-US" dirty="0"/>
+              <a:t>Potentially figuring out weapon drop percentages – Not quite there</a:t>
             </a:r>
           </a:p>
           <a:p>
@@ -3907,6 +3971,222 @@
           <a:xfrm>
             <a:off x="8270947" y="5569874"/>
             <a:ext cx="1220525" cy="1220525"/>
+          </a:xfrm>
+          <a:prstGeom prst="rect">
+            <a:avLst/>
+          </a:prstGeom>
+        </p:spPr>
+      </p:pic>
+      <p:pic>
+        <p:nvPicPr>
+          <p:cNvPr id="5" name="Picture 4">
+            <a:extLst>
+              <a:ext uri="{FF2B5EF4-FFF2-40B4-BE49-F238E27FC236}">
+                <a16:creationId xmlns:a16="http://schemas.microsoft.com/office/drawing/2014/main" id="{21BCCC8E-EA40-2C2E-49D7-7F41A8C28A24}"/>
+              </a:ext>
+            </a:extLst>
+          </p:cNvPr>
+          <p:cNvPicPr>
+            <a:picLocks noChangeAspect="1"/>
+          </p:cNvPicPr>
+          <p:nvPr/>
+        </p:nvPicPr>
+        <p:blipFill>
+          <a:blip r:embed="rId4">
+            <a:extLst>
+              <a:ext uri="{28A0092B-C50C-407E-A947-70E740481C1C}">
+                <a14:useLocalDpi xmlns:a14="http://schemas.microsoft.com/office/drawing/2010/main" val="0"/>
+              </a:ext>
+            </a:extLst>
+          </a:blip>
+          <a:stretch>
+            <a:fillRect/>
+          </a:stretch>
+        </p:blipFill>
+        <p:spPr>
+          <a:xfrm>
+            <a:off x="389513" y="4816785"/>
+            <a:ext cx="1744717" cy="1744717"/>
+          </a:xfrm>
+          <a:prstGeom prst="rect">
+            <a:avLst/>
+          </a:prstGeom>
+        </p:spPr>
+      </p:pic>
+      <p:pic>
+        <p:nvPicPr>
+          <p:cNvPr id="8" name="Picture 7">
+            <a:extLst>
+              <a:ext uri="{FF2B5EF4-FFF2-40B4-BE49-F238E27FC236}">
+                <a16:creationId xmlns:a16="http://schemas.microsoft.com/office/drawing/2014/main" id="{73F9FA6C-43D6-6A97-486A-33797F3320A0}"/>
+              </a:ext>
+            </a:extLst>
+          </p:cNvPr>
+          <p:cNvPicPr>
+            <a:picLocks noChangeAspect="1"/>
+          </p:cNvPicPr>
+          <p:nvPr/>
+        </p:nvPicPr>
+        <p:blipFill>
+          <a:blip r:embed="rId5">
+            <a:extLst>
+              <a:ext uri="{28A0092B-C50C-407E-A947-70E740481C1C}">
+                <a14:useLocalDpi xmlns:a14="http://schemas.microsoft.com/office/drawing/2010/main" val="0"/>
+              </a:ext>
+            </a:extLst>
+          </a:blip>
+          <a:stretch>
+            <a:fillRect/>
+          </a:stretch>
+        </p:blipFill>
+        <p:spPr>
+          <a:xfrm>
+            <a:off x="1553891" y="4816785"/>
+            <a:ext cx="2293274" cy="2293274"/>
+          </a:xfrm>
+          <a:prstGeom prst="rect">
+            <a:avLst/>
+          </a:prstGeom>
+        </p:spPr>
+      </p:pic>
+      <p:pic>
+        <p:nvPicPr>
+          <p:cNvPr id="11" name="Picture 10">
+            <a:extLst>
+              <a:ext uri="{FF2B5EF4-FFF2-40B4-BE49-F238E27FC236}">
+                <a16:creationId xmlns:a16="http://schemas.microsoft.com/office/drawing/2014/main" id="{4988F28D-6BCB-54AB-8498-EEF705AEC59E}"/>
+              </a:ext>
+            </a:extLst>
+          </p:cNvPr>
+          <p:cNvPicPr>
+            <a:picLocks noChangeAspect="1"/>
+          </p:cNvPicPr>
+          <p:nvPr/>
+        </p:nvPicPr>
+        <p:blipFill>
+          <a:blip r:embed="rId6">
+            <a:extLst>
+              <a:ext uri="{28A0092B-C50C-407E-A947-70E740481C1C}">
+                <a14:useLocalDpi xmlns:a14="http://schemas.microsoft.com/office/drawing/2010/main" val="0"/>
+              </a:ext>
+            </a:extLst>
+          </a:blip>
+          <a:stretch>
+            <a:fillRect/>
+          </a:stretch>
+        </p:blipFill>
+        <p:spPr>
+          <a:xfrm>
+            <a:off x="8678561" y="4599820"/>
+            <a:ext cx="1178671" cy="1178671"/>
+          </a:xfrm>
+          <a:prstGeom prst="rect">
+            <a:avLst/>
+          </a:prstGeom>
+        </p:spPr>
+      </p:pic>
+      <p:pic>
+        <p:nvPicPr>
+          <p:cNvPr id="13" name="Picture 12">
+            <a:extLst>
+              <a:ext uri="{FF2B5EF4-FFF2-40B4-BE49-F238E27FC236}">
+                <a16:creationId xmlns:a16="http://schemas.microsoft.com/office/drawing/2014/main" id="{B171F871-A910-6A0C-283A-787F155362F4}"/>
+              </a:ext>
+            </a:extLst>
+          </p:cNvPr>
+          <p:cNvPicPr>
+            <a:picLocks noChangeAspect="1"/>
+          </p:cNvPicPr>
+          <p:nvPr/>
+        </p:nvPicPr>
+        <p:blipFill>
+          <a:blip r:embed="rId7">
+            <a:extLst>
+              <a:ext uri="{28A0092B-C50C-407E-A947-70E740481C1C}">
+                <a14:useLocalDpi xmlns:a14="http://schemas.microsoft.com/office/drawing/2010/main" val="0"/>
+              </a:ext>
+            </a:extLst>
+          </a:blip>
+          <a:stretch>
+            <a:fillRect/>
+          </a:stretch>
+        </p:blipFill>
+        <p:spPr>
+          <a:xfrm>
+            <a:off x="6770653" y="5560419"/>
+            <a:ext cx="1220525" cy="1220525"/>
+          </a:xfrm>
+          <a:prstGeom prst="rect">
+            <a:avLst/>
+          </a:prstGeom>
+        </p:spPr>
+      </p:pic>
+      <p:pic>
+        <p:nvPicPr>
+          <p:cNvPr id="15" name="Picture 14">
+            <a:extLst>
+              <a:ext uri="{FF2B5EF4-FFF2-40B4-BE49-F238E27FC236}">
+                <a16:creationId xmlns:a16="http://schemas.microsoft.com/office/drawing/2014/main" id="{A337E62C-2267-C920-F365-C3FC596622D7}"/>
+              </a:ext>
+            </a:extLst>
+          </p:cNvPr>
+          <p:cNvPicPr>
+            <a:picLocks noChangeAspect="1"/>
+          </p:cNvPicPr>
+          <p:nvPr/>
+        </p:nvPicPr>
+        <p:blipFill>
+          <a:blip r:embed="rId8">
+            <a:extLst>
+              <a:ext uri="{28A0092B-C50C-407E-A947-70E740481C1C}">
+                <a14:useLocalDpi xmlns:a14="http://schemas.microsoft.com/office/drawing/2010/main" val="0"/>
+              </a:ext>
+            </a:extLst>
+          </a:blip>
+          <a:stretch>
+            <a:fillRect/>
+          </a:stretch>
+        </p:blipFill>
+        <p:spPr>
+          <a:xfrm>
+            <a:off x="5378642" y="5615179"/>
+            <a:ext cx="1129915" cy="1129915"/>
+          </a:xfrm>
+          <a:prstGeom prst="rect">
+            <a:avLst/>
+          </a:prstGeom>
+        </p:spPr>
+      </p:pic>
+      <p:pic>
+        <p:nvPicPr>
+          <p:cNvPr id="17" name="Picture 16">
+            <a:extLst>
+              <a:ext uri="{FF2B5EF4-FFF2-40B4-BE49-F238E27FC236}">
+                <a16:creationId xmlns:a16="http://schemas.microsoft.com/office/drawing/2014/main" id="{3B44FED7-A92C-2E16-4570-842B766D78A2}"/>
+              </a:ext>
+            </a:extLst>
+          </p:cNvPr>
+          <p:cNvPicPr>
+            <a:picLocks noChangeAspect="1"/>
+          </p:cNvPicPr>
+          <p:nvPr/>
+        </p:nvPicPr>
+        <p:blipFill>
+          <a:blip r:embed="rId9">
+            <a:extLst>
+              <a:ext uri="{28A0092B-C50C-407E-A947-70E740481C1C}">
+                <a14:useLocalDpi xmlns:a14="http://schemas.microsoft.com/office/drawing/2010/main" val="0"/>
+              </a:ext>
+            </a:extLst>
+          </a:blip>
+          <a:stretch>
+            <a:fillRect/>
+          </a:stretch>
+        </p:blipFill>
+        <p:spPr>
+          <a:xfrm>
+            <a:off x="3847165" y="5281381"/>
+            <a:ext cx="1363717" cy="1363717"/>
           </a:xfrm>
           <a:prstGeom prst="rect">
             <a:avLst/>
